--- a/Unit1-module2-R/R-2.pptx
+++ b/Unit1-module2-R/R-2.pptx
@@ -14831,7 +14831,7 @@
         <p:spPr>
           <a:xfrm>
             <a:off x="6096000" y="1657670"/>
-            <a:ext cx="4948238" cy="3697111"/>
+            <a:ext cx="4948238" cy="4502214"/>
           </a:xfrm>
           <a:prstGeom prst="rect">
             <a:avLst/>
@@ -15038,6 +15038,44 @@
               <a:rPr lang="en-US" dirty="0"/>
               <a:t>Control structure </a:t>
             </a:r>
+          </a:p>
+          <a:p>
+            <a:endParaRPr lang="en-US" dirty="0"/>
+          </a:p>
+          <a:p>
+            <a:r>
+              <a:rPr lang="en-US" b="1" dirty="0"/>
+              <a:t>More data operations</a:t>
+            </a:r>
+          </a:p>
+          <a:p>
+            <a:pPr lvl="1"/>
+            <a:r>
+              <a:rPr lang="en-US" dirty="0"/>
+              <a:t>Import data</a:t>
+            </a:r>
+          </a:p>
+          <a:p>
+            <a:pPr lvl="1"/>
+            <a:r>
+              <a:rPr lang="en-US" dirty="0"/>
+              <a:t>Data frame operations</a:t>
+            </a:r>
+          </a:p>
+          <a:p>
+            <a:pPr lvl="1"/>
+            <a:r>
+              <a:rPr lang="en-US" dirty="0"/>
+              <a:t>User defined functions</a:t>
+            </a:r>
+          </a:p>
+          <a:p>
+            <a:pPr lvl="1"/>
+            <a:r>
+              <a:rPr lang="en-US" dirty="0" err="1"/>
+              <a:t>lapply</a:t>
+            </a:r>
+            <a:endParaRPr lang="en-US" dirty="0"/>
           </a:p>
           <a:p>
             <a:pPr lvl="1"/>
